--- a/Brines/PLSDAbrines.pptx
+++ b/Brines/PLSDAbrines.pptx
@@ -4240,7 +4240,7 @@
           <a:p>
             <a:fld id="{2153FE10-AAA0-4BE8-A5F0-26B60B4E51C8}" type="datetimeFigureOut">
               <a:rPr lang="en-GB" smtClean="0"/>
-              <a:t>30/01/2024</a:t>
+              <a:t>31/01/2024</a:t>
             </a:fld>
             <a:endParaRPr lang="en-GB"/>
           </a:p>
@@ -8124,15 +8124,7 @@
             <a:pPr algn="ctr"/>
             <a:r>
               <a:rPr lang="nl-NL" sz="1800" dirty="0"/>
-              <a:t>Important </a:t>
-            </a:r>
-            <a:r>
-              <a:rPr lang="nl-NL" sz="1800" dirty="0" err="1"/>
-              <a:t>masses</a:t>
-            </a:r>
-            <a:r>
-              <a:rPr lang="nl-NL" sz="1800" dirty="0"/>
-              <a:t> </a:t>
+              <a:t>Important variables </a:t>
             </a:r>
             <a:r>
               <a:rPr lang="nl-NL" sz="1800" dirty="0" err="1"/>
@@ -8303,7 +8295,7 @@
           <a:p>
             <a:r>
               <a:rPr lang="en-GB" sz="1400" dirty="0"/>
-              <a:t>We need to know when the unnormal fermentation started</a:t>
+              <a:t>We need to know when the abnormal fermentation started</a:t>
             </a:r>
           </a:p>
           <a:p>
@@ -8359,7 +8351,7 @@
               <a:rPr lang="en-GB" sz="1400" dirty="0">
                 <a:latin typeface="+mn-lt"/>
               </a:rPr>
-              <a:t>, no unnormal fermentation was observed in any sample. Only At 25</a:t>
+              <a:t>, no abnormal fermentation was observed in any sample. Only At 25</a:t>
             </a:r>
             <a:r>
               <a:rPr lang="nl-NL" sz="1400" dirty="0">
@@ -8485,6 +8477,16 @@
               </a:rPr>
               <a:t> sample</a:t>
             </a:r>
+          </a:p>
+          <a:p>
+            <a:endParaRPr lang="en-US" sz="1400" dirty="0">
+              <a:latin typeface="+mn-lt"/>
+            </a:endParaRPr>
+          </a:p>
+          <a:p>
+            <a:endParaRPr lang="nl-NL" sz="1400" dirty="0">
+              <a:latin typeface="+mn-lt"/>
+            </a:endParaRPr>
           </a:p>
           <a:p>
             <a:endParaRPr lang="en-GB" sz="2133" dirty="0">
@@ -8633,8 +8635,8 @@
         </p:nvSpPr>
         <p:spPr>
           <a:xfrm>
-            <a:off x="657600" y="1199061"/>
-            <a:ext cx="11198400" cy="4597732"/>
+            <a:off x="657600" y="1003752"/>
+            <a:ext cx="11198400" cy="5361047"/>
           </a:xfrm>
         </p:spPr>
         <p:txBody>
@@ -8727,7 +8729,7 @@
             </a:pPr>
             <a:r>
               <a:rPr lang="en-US" sz="1400" dirty="0"/>
-              <a:t>•	Period Five: 13/12, 15/12, 19/12 (29 samples).</a:t>
+              <a:t>•	Period Five: 13/12, 15/12, 19/12 (29 samples)</a:t>
             </a:r>
           </a:p>
           <a:p>
@@ -8771,15 +8773,7 @@
             </a:pPr>
             <a:r>
               <a:rPr lang="en-US" sz="1400" dirty="0"/>
-              <a:t>The aim of this analysis was to classify unfermented from </a:t>
-            </a:r>
-            <a:r>
-              <a:rPr lang="en-US" sz="1400" dirty="0" err="1"/>
-              <a:t>unnormally</a:t>
-            </a:r>
-            <a:r>
-              <a:rPr lang="en-US" sz="1400" dirty="0"/>
-              <a:t> fermented samples in each period</a:t>
+              <a:t>The aim of this analysis was to classify normal from abnormal fermentation in each period</a:t>
             </a:r>
           </a:p>
           <a:p>
@@ -8795,8 +8789,27 @@
             </a:pPr>
             <a:r>
               <a:rPr lang="en-US" sz="1400" dirty="0"/>
-              <a:t>Period one was not considered because no sample showed unnormal fermentation</a:t>
-            </a:r>
+              <a:t>Period one was not considered because no sample showed abnormal fermentation</a:t>
+            </a:r>
+          </a:p>
+          <a:p>
+            <a:pPr algn="just">
+              <a:lnSpc>
+                <a:spcPct val="150000"/>
+              </a:lnSpc>
+              <a:spcBef>
+                <a:spcPts val="0"/>
+              </a:spcBef>
+              <a:buFont typeface="Wingdings" panose="05000000000000000000" pitchFamily="2" charset="2"/>
+              <a:buChar char="q"/>
+            </a:pPr>
+            <a:r>
+              <a:rPr lang="en-US" sz="1400" dirty="0">
+                <a:latin typeface="+mn-lt"/>
+              </a:rPr>
+              <a:t>1=normal fermentation and 2=abnormal fermentation. These mean no spoilage or spoilage in the samples</a:t>
+            </a:r>
+            <a:endParaRPr lang="en-US" sz="1400" dirty="0"/>
           </a:p>
           <a:p>
             <a:pPr algn="just">
@@ -9058,14 +9071,14 @@
           <p:nvPr>
             <p:extLst>
               <p:ext uri="{D42A27DB-BD31-4B8C-83A1-F6EECF244321}">
-                <p14:modId xmlns:p14="http://schemas.microsoft.com/office/powerpoint/2010/main" val="1225290267"/>
+                <p14:modId xmlns:p14="http://schemas.microsoft.com/office/powerpoint/2010/main" val="299457198"/>
               </p:ext>
             </p:extLst>
           </p:nvPr>
         </p:nvGraphicFramePr>
         <p:xfrm>
           <a:off x="69467" y="2082940"/>
-          <a:ext cx="11786533" cy="3423920"/>
+          <a:ext cx="11786533" cy="3606800"/>
         </p:xfrm>
         <a:graphic>
           <a:graphicData uri="http://schemas.openxmlformats.org/drawingml/2006/table">
@@ -9081,14 +9094,14 @@
                     </a:ext>
                   </a:extLst>
                 </a:gridCol>
-                <a:gridCol w="1418403">
+                <a:gridCol w="1827998">
                   <a:extLst>
                     <a:ext uri="{9D8B030D-6E8A-4147-A177-3AD203B41FA5}">
                       <a16:colId xmlns:a16="http://schemas.microsoft.com/office/drawing/2014/main" val="3930026093"/>
                     </a:ext>
                   </a:extLst>
                 </a:gridCol>
-                <a:gridCol w="1503542">
+                <a:gridCol w="1093947">
                   <a:extLst>
                     <a:ext uri="{9D8B030D-6E8A-4147-A177-3AD203B41FA5}">
                       <a16:colId xmlns:a16="http://schemas.microsoft.com/office/drawing/2014/main" val="4087595501"/>
@@ -9169,7 +9182,15 @@
                       <a:pPr algn="ctr"/>
                       <a:r>
                         <a:rPr lang="nl-NL" sz="1200" dirty="0"/>
-                        <a:t>Class</a:t>
+                        <a:t>Class (</a:t>
+                      </a:r>
+                      <a:r>
+                        <a:rPr lang="nl-NL" sz="1200" dirty="0" err="1"/>
+                        <a:t>Fermentation</a:t>
+                      </a:r>
+                      <a:r>
+                        <a:rPr lang="nl-NL" sz="1200" dirty="0"/>
+                        <a:t> type)</a:t>
                       </a:r>
                     </a:p>
                   </a:txBody>
@@ -9183,7 +9204,7 @@
                       <a:pPr algn="ctr"/>
                       <a:r>
                         <a:rPr lang="en-US" sz="1200" dirty="0"/>
-                        <a:t>Unfermented</a:t>
+                        <a:t>Normal</a:t>
                       </a:r>
                       <a:endParaRPr lang="nl-NL" sz="1200" dirty="0"/>
                     </a:p>
@@ -9198,7 +9219,7 @@
                       <a:pPr algn="ctr"/>
                       <a:r>
                         <a:rPr lang="en-US" sz="1200" dirty="0"/>
-                        <a:t>Fermented</a:t>
+                        <a:t>Abnormal</a:t>
                       </a:r>
                       <a:endParaRPr lang="nl-NL" sz="1200" dirty="0"/>
                     </a:p>
@@ -9331,7 +9352,7 @@
                       <a:pPr algn="ctr"/>
                       <a:r>
                         <a:rPr lang="en-US" sz="1200" dirty="0"/>
-                        <a:t>Unfermented</a:t>
+                        <a:t>Normal</a:t>
                       </a:r>
                       <a:endParaRPr lang="nl-NL" sz="1200" dirty="0"/>
                     </a:p>
@@ -9475,7 +9496,7 @@
                       <a:pPr algn="ctr"/>
                       <a:r>
                         <a:rPr lang="en-US" sz="1200" dirty="0"/>
-                        <a:t>Fermented</a:t>
+                        <a:t>Abnormal</a:t>
                       </a:r>
                       <a:endParaRPr lang="nl-NL" sz="1200" dirty="0"/>
                     </a:p>
@@ -9616,7 +9637,7 @@
                       <a:pPr algn="ctr"/>
                       <a:r>
                         <a:rPr lang="en-US" sz="1200" dirty="0"/>
-                        <a:t>Unfermented</a:t>
+                        <a:t>Normal</a:t>
                       </a:r>
                       <a:endParaRPr lang="nl-NL" sz="1200" dirty="0"/>
                     </a:p>
@@ -9760,7 +9781,7 @@
                       <a:pPr algn="ctr"/>
                       <a:r>
                         <a:rPr lang="en-US" sz="1200" dirty="0"/>
-                        <a:t>Fermented</a:t>
+                        <a:t>Abnormal</a:t>
                       </a:r>
                       <a:endParaRPr lang="nl-NL" sz="1200" dirty="0"/>
                     </a:p>
@@ -9902,7 +9923,7 @@
                       <a:pPr algn="ctr"/>
                       <a:r>
                         <a:rPr lang="en-US" sz="1200" dirty="0"/>
-                        <a:t>Unfermented</a:t>
+                        <a:t>Normal</a:t>
                       </a:r>
                       <a:endParaRPr lang="nl-NL" sz="1200" dirty="0"/>
                     </a:p>
@@ -10046,7 +10067,7 @@
                       <a:pPr algn="ctr"/>
                       <a:r>
                         <a:rPr lang="en-US" sz="1200" dirty="0"/>
-                        <a:t>Fermented</a:t>
+                        <a:t>Abnormal</a:t>
                       </a:r>
                       <a:endParaRPr lang="nl-NL" sz="1200" dirty="0"/>
                     </a:p>
@@ -10187,7 +10208,7 @@
                       <a:pPr algn="ctr"/>
                       <a:r>
                         <a:rPr lang="en-US" sz="1200" dirty="0"/>
-                        <a:t>Unfermented</a:t>
+                        <a:t>Normal</a:t>
                       </a:r>
                       <a:endParaRPr lang="nl-NL" sz="1200" dirty="0"/>
                     </a:p>
@@ -10331,7 +10352,7 @@
                       <a:pPr algn="ctr"/>
                       <a:r>
                         <a:rPr lang="en-US" sz="1200" dirty="0"/>
-                        <a:t>Fermented</a:t>
+                        <a:t>Abnormal</a:t>
                       </a:r>
                       <a:endParaRPr lang="nl-NL" sz="1200" dirty="0"/>
                     </a:p>
@@ -10528,7 +10549,7 @@
         <p:spPr>
           <a:xfrm>
             <a:off x="260059" y="200444"/>
-            <a:ext cx="3076483" cy="533544"/>
+            <a:ext cx="3066865" cy="533544"/>
           </a:xfrm>
           <a:prstGeom prst="rect">
             <a:avLst/>
@@ -10550,7 +10571,7 @@
               <a:rPr lang="en-GB" sz="1400" dirty="0">
                 <a:latin typeface="Verdana" pitchFamily="34" charset="0"/>
               </a:rPr>
-              <a:t>Class 1: No fermentation</a:t>
+              <a:t>Class 1: Normal fermentation</a:t>
             </a:r>
           </a:p>
           <a:p>
@@ -10563,7 +10584,7 @@
               <a:rPr lang="en-GB" sz="1400" dirty="0">
                 <a:latin typeface="Verdana" pitchFamily="34" charset="0"/>
               </a:rPr>
-              <a:t>Class 2: Unnormal fermentation</a:t>
+              <a:t>Class 2: Abnormal fermentation</a:t>
             </a:r>
           </a:p>
         </p:txBody>
@@ -10620,7 +10641,7 @@
         </p:blipFill>
         <p:spPr>
           <a:xfrm>
-            <a:off x="184558" y="264585"/>
+            <a:off x="369116" y="325215"/>
             <a:ext cx="11822884" cy="6532785"/>
           </a:xfrm>
           <a:prstGeom prst="rect">
@@ -10630,10 +10651,10 @@
       </p:pic>
       <p:pic>
         <p:nvPicPr>
-          <p:cNvPr id="2" name="Picture 1">
+          <p:cNvPr id="6" name="Picture 5">
             <a:extLst>
               <a:ext uri="{FF2B5EF4-FFF2-40B4-BE49-F238E27FC236}">
-                <a16:creationId xmlns:a16="http://schemas.microsoft.com/office/drawing/2014/main" id="{D3D5BE96-B3A4-B76E-7175-53274DF7D9F8}"/>
+                <a16:creationId xmlns:a16="http://schemas.microsoft.com/office/drawing/2014/main" id="{4AF4FC53-D735-F92F-98D0-04CFD66AB9BA}"/>
               </a:ext>
             </a:extLst>
           </p:cNvPr>
@@ -10650,8 +10671,8 @@
         </p:blipFill>
         <p:spPr>
           <a:xfrm>
-            <a:off x="112754" y="60630"/>
-            <a:ext cx="3090940" cy="609653"/>
+            <a:off x="141376" y="88010"/>
+            <a:ext cx="3084843" cy="609653"/>
           </a:xfrm>
           <a:prstGeom prst="rect">
             <a:avLst/>
@@ -10720,10 +10741,10 @@
       </p:pic>
       <p:pic>
         <p:nvPicPr>
-          <p:cNvPr id="2" name="Picture 1">
+          <p:cNvPr id="3" name="Picture 2">
             <a:extLst>
               <a:ext uri="{FF2B5EF4-FFF2-40B4-BE49-F238E27FC236}">
-                <a16:creationId xmlns:a16="http://schemas.microsoft.com/office/drawing/2014/main" id="{980E4008-47CD-E8A5-A453-F7FF4212DD86}"/>
+                <a16:creationId xmlns:a16="http://schemas.microsoft.com/office/drawing/2014/main" id="{4FBC176F-DAC4-438D-3C56-A513673694EF}"/>
               </a:ext>
             </a:extLst>
           </p:cNvPr>
@@ -10740,8 +10761,8 @@
         </p:blipFill>
         <p:spPr>
           <a:xfrm>
-            <a:off x="188255" y="87359"/>
-            <a:ext cx="3090940" cy="609653"/>
+            <a:off x="142042" y="123521"/>
+            <a:ext cx="3084843" cy="609653"/>
           </a:xfrm>
           <a:prstGeom prst="rect">
             <a:avLst/>
@@ -10810,10 +10831,10 @@
       </p:pic>
       <p:pic>
         <p:nvPicPr>
-          <p:cNvPr id="2" name="Picture 1">
+          <p:cNvPr id="3" name="Picture 2">
             <a:extLst>
               <a:ext uri="{FF2B5EF4-FFF2-40B4-BE49-F238E27FC236}">
-                <a16:creationId xmlns:a16="http://schemas.microsoft.com/office/drawing/2014/main" id="{4209CE9A-10D2-DA58-5898-E46B8C8C3543}"/>
+                <a16:creationId xmlns:a16="http://schemas.microsoft.com/office/drawing/2014/main" id="{51EC654D-AC39-93E9-3A45-80AE243468E4}"/>
               </a:ext>
             </a:extLst>
           </p:cNvPr>
@@ -10830,8 +10851,8 @@
         </p:blipFill>
         <p:spPr>
           <a:xfrm>
-            <a:off x="75500" y="131400"/>
-            <a:ext cx="3090940" cy="609653"/>
+            <a:off x="134223" y="131400"/>
+            <a:ext cx="3084843" cy="609653"/>
           </a:xfrm>
           <a:prstGeom prst="rect">
             <a:avLst/>
@@ -11319,6 +11340,23 @@
 </file>
 
 <file path=customXml/item1.xml><?xml version="1.0" encoding="utf-8"?>
+<p:properties xmlns:p="http://schemas.microsoft.com/office/2006/metadata/properties" xmlns:xsi="http://www.w3.org/2001/XMLSchema-instance" xmlns:pc="http://schemas.microsoft.com/office/infopath/2007/PartnerControls">
+  <documentManagement>
+    <_activity xmlns="f57bc8fc-db93-4706-8ea7-8a418546d01a" xsi:nil="true"/>
+  </documentManagement>
+</p:properties>
+</file>
+
+<file path=customXml/item2.xml><?xml version="1.0" encoding="utf-8"?>
+<?mso-contentType ?>
+<FormTemplates xmlns="http://schemas.microsoft.com/sharepoint/v3/contenttype/forms">
+  <Display>DocumentLibraryForm</Display>
+  <Edit>DocumentLibraryForm</Edit>
+  <New>DocumentLibraryForm</New>
+</FormTemplates>
+</file>
+
+<file path=customXml/item3.xml><?xml version="1.0" encoding="utf-8"?>
 <ct:contentTypeSchema xmlns:ct="http://schemas.microsoft.com/office/2006/metadata/contentType" xmlns:ma="http://schemas.microsoft.com/office/2006/metadata/properties/metaAttributes" ct:_="" ma:_="" ma:contentTypeName="Document" ma:contentTypeID="0x0101001C14183A65C2C645ADA7BC5603AF44F2" ma:contentTypeVersion="17" ma:contentTypeDescription="Een nieuw document maken." ma:contentTypeScope="" ma:versionID="1aa2312143aad0b902a6d3a3827e15fc">
   <xsd:schema xmlns:xsd="http://www.w3.org/2001/XMLSchema" xmlns:xs="http://www.w3.org/2001/XMLSchema" xmlns:p="http://schemas.microsoft.com/office/2006/metadata/properties" xmlns:ns3="f57bc8fc-db93-4706-8ea7-8a418546d01a" xmlns:ns4="b86151ff-f084-444e-9e9a-673684c5f9bc" targetNamespace="http://schemas.microsoft.com/office/2006/metadata/properties" ma:root="true" ma:fieldsID="593e55f8c287e1bed5532cd1bae45574" ns3:_="" ns4:_="">
     <xsd:import namespace="f57bc8fc-db93-4706-8ea7-8a418546d01a"/>
@@ -11565,24 +11603,32 @@
 </ct:contentTypeSchema>
 </file>
 
-<file path=customXml/item2.xml><?xml version="1.0" encoding="utf-8"?>
-<?mso-contentType ?>
-<FormTemplates xmlns="http://schemas.microsoft.com/sharepoint/v3/contenttype/forms">
-  <Display>DocumentLibraryForm</Display>
-  <Edit>DocumentLibraryForm</Edit>
-  <New>DocumentLibraryForm</New>
-</FormTemplates>
+<file path=customXml/itemProps1.xml><?xml version="1.0" encoding="utf-8"?>
+<ds:datastoreItem xmlns:ds="http://schemas.openxmlformats.org/officeDocument/2006/customXml" ds:itemID="{31B65B1F-5CCB-49D0-8039-5ACD28318738}">
+  <ds:schemaRefs>
+    <ds:schemaRef ds:uri="http://purl.org/dc/terms/"/>
+    <ds:schemaRef ds:uri="http://schemas.openxmlformats.org/package/2006/metadata/core-properties"/>
+    <ds:schemaRef ds:uri="http://schemas.microsoft.com/office/2006/documentManagement/types"/>
+    <ds:schemaRef ds:uri="http://schemas.microsoft.com/office/infopath/2007/PartnerControls"/>
+    <ds:schemaRef ds:uri="http://purl.org/dc/elements/1.1/"/>
+    <ds:schemaRef ds:uri="http://schemas.microsoft.com/office/2006/metadata/properties"/>
+    <ds:schemaRef ds:uri="b86151ff-f084-444e-9e9a-673684c5f9bc"/>
+    <ds:schemaRef ds:uri="f57bc8fc-db93-4706-8ea7-8a418546d01a"/>
+    <ds:schemaRef ds:uri="http://www.w3.org/XML/1998/namespace"/>
+    <ds:schemaRef ds:uri="http://purl.org/dc/dcmitype/"/>
+  </ds:schemaRefs>
+</ds:datastoreItem>
 </file>
 
-<file path=customXml/item3.xml><?xml version="1.0" encoding="utf-8"?>
-<p:properties xmlns:p="http://schemas.microsoft.com/office/2006/metadata/properties" xmlns:xsi="http://www.w3.org/2001/XMLSchema-instance" xmlns:pc="http://schemas.microsoft.com/office/infopath/2007/PartnerControls">
-  <documentManagement>
-    <_activity xmlns="f57bc8fc-db93-4706-8ea7-8a418546d01a" xsi:nil="true"/>
-  </documentManagement>
-</p:properties>
+<file path=customXml/itemProps2.xml><?xml version="1.0" encoding="utf-8"?>
+<ds:datastoreItem xmlns:ds="http://schemas.openxmlformats.org/officeDocument/2006/customXml" ds:itemID="{6613770F-F439-4B36-94AD-088333E63212}">
+  <ds:schemaRefs>
+    <ds:schemaRef ds:uri="http://schemas.microsoft.com/sharepoint/v3/contenttype/forms"/>
+  </ds:schemaRefs>
+</ds:datastoreItem>
 </file>
 
-<file path=customXml/itemProps1.xml><?xml version="1.0" encoding="utf-8"?>
+<file path=customXml/itemProps3.xml><?xml version="1.0" encoding="utf-8"?>
 <ds:datastoreItem xmlns:ds="http://schemas.openxmlformats.org/officeDocument/2006/customXml" ds:itemID="{68DA5257-63C7-4D52-8905-EAD5F8E592FC}">
   <ds:schemaRefs>
     <ds:schemaRef ds:uri="http://schemas.microsoft.com/office/2006/metadata/contentType"/>
@@ -11599,29 +11645,4 @@
     <ds:schemaRef ds:uri="http://schemas.microsoft.com/internal/obd"/>
   </ds:schemaRefs>
 </ds:datastoreItem>
-</file>
-
-<file path=customXml/itemProps2.xml><?xml version="1.0" encoding="utf-8"?>
-<ds:datastoreItem xmlns:ds="http://schemas.openxmlformats.org/officeDocument/2006/customXml" ds:itemID="{6613770F-F439-4B36-94AD-088333E63212}">
-  <ds:schemaRefs>
-    <ds:schemaRef ds:uri="http://schemas.microsoft.com/sharepoint/v3/contenttype/forms"/>
-  </ds:schemaRefs>
-</ds:datastoreItem>
-</file>
-
-<file path=customXml/itemProps3.xml><?xml version="1.0" encoding="utf-8"?>
-<ds:datastoreItem xmlns:ds="http://schemas.openxmlformats.org/officeDocument/2006/customXml" ds:itemID="{31B65B1F-5CCB-49D0-8039-5ACD28318738}">
-  <ds:schemaRefs>
-    <ds:schemaRef ds:uri="http://purl.org/dc/terms/"/>
-    <ds:schemaRef ds:uri="http://schemas.openxmlformats.org/package/2006/metadata/core-properties"/>
-    <ds:schemaRef ds:uri="http://schemas.microsoft.com/office/2006/documentManagement/types"/>
-    <ds:schemaRef ds:uri="http://schemas.microsoft.com/office/infopath/2007/PartnerControls"/>
-    <ds:schemaRef ds:uri="http://purl.org/dc/elements/1.1/"/>
-    <ds:schemaRef ds:uri="http://schemas.microsoft.com/office/2006/metadata/properties"/>
-    <ds:schemaRef ds:uri="b86151ff-f084-444e-9e9a-673684c5f9bc"/>
-    <ds:schemaRef ds:uri="f57bc8fc-db93-4706-8ea7-8a418546d01a"/>
-    <ds:schemaRef ds:uri="http://www.w3.org/XML/1998/namespace"/>
-    <ds:schemaRef ds:uri="http://purl.org/dc/dcmitype/"/>
-  </ds:schemaRefs>
-</ds:datastoreItem>
 </file>
--- a/Brines/PLSDAbrines.pptx
+++ b/Brines/PLSDAbrines.pptx
@@ -11340,20 +11340,20 @@
 </file>
 
 <file path=customXml/item1.xml><?xml version="1.0" encoding="utf-8"?>
-<p:properties xmlns:p="http://schemas.microsoft.com/office/2006/metadata/properties" xmlns:xsi="http://www.w3.org/2001/XMLSchema-instance" xmlns:pc="http://schemas.microsoft.com/office/infopath/2007/PartnerControls">
-  <documentManagement>
-    <_activity xmlns="f57bc8fc-db93-4706-8ea7-8a418546d01a" xsi:nil="true"/>
-  </documentManagement>
-</p:properties>
-</file>
-
-<file path=customXml/item2.xml><?xml version="1.0" encoding="utf-8"?>
 <?mso-contentType ?>
 <FormTemplates xmlns="http://schemas.microsoft.com/sharepoint/v3/contenttype/forms">
   <Display>DocumentLibraryForm</Display>
   <Edit>DocumentLibraryForm</Edit>
   <New>DocumentLibraryForm</New>
 </FormTemplates>
+</file>
+
+<file path=customXml/item2.xml><?xml version="1.0" encoding="utf-8"?>
+<p:properties xmlns:p="http://schemas.microsoft.com/office/2006/metadata/properties" xmlns:xsi="http://www.w3.org/2001/XMLSchema-instance" xmlns:pc="http://schemas.microsoft.com/office/infopath/2007/PartnerControls">
+  <documentManagement>
+    <_activity xmlns="f57bc8fc-db93-4706-8ea7-8a418546d01a" xsi:nil="true"/>
+  </documentManagement>
+</p:properties>
 </file>
 
 <file path=customXml/item3.xml><?xml version="1.0" encoding="utf-8"?>
@@ -11604,6 +11604,14 @@
 </file>
 
 <file path=customXml/itemProps1.xml><?xml version="1.0" encoding="utf-8"?>
+<ds:datastoreItem xmlns:ds="http://schemas.openxmlformats.org/officeDocument/2006/customXml" ds:itemID="{6613770F-F439-4B36-94AD-088333E63212}">
+  <ds:schemaRefs>
+    <ds:schemaRef ds:uri="http://schemas.microsoft.com/sharepoint/v3/contenttype/forms"/>
+  </ds:schemaRefs>
+</ds:datastoreItem>
+</file>
+
+<file path=customXml/itemProps2.xml><?xml version="1.0" encoding="utf-8"?>
 <ds:datastoreItem xmlns:ds="http://schemas.openxmlformats.org/officeDocument/2006/customXml" ds:itemID="{31B65B1F-5CCB-49D0-8039-5ACD28318738}">
   <ds:schemaRefs>
     <ds:schemaRef ds:uri="http://purl.org/dc/terms/"/>
@@ -11616,14 +11624,6 @@
     <ds:schemaRef ds:uri="f57bc8fc-db93-4706-8ea7-8a418546d01a"/>
     <ds:schemaRef ds:uri="http://www.w3.org/XML/1998/namespace"/>
     <ds:schemaRef ds:uri="http://purl.org/dc/dcmitype/"/>
-  </ds:schemaRefs>
-</ds:datastoreItem>
-</file>
-
-<file path=customXml/itemProps2.xml><?xml version="1.0" encoding="utf-8"?>
-<ds:datastoreItem xmlns:ds="http://schemas.openxmlformats.org/officeDocument/2006/customXml" ds:itemID="{6613770F-F439-4B36-94AD-088333E63212}">
-  <ds:schemaRefs>
-    <ds:schemaRef ds:uri="http://schemas.microsoft.com/sharepoint/v3/contenttype/forms"/>
   </ds:schemaRefs>
 </ds:datastoreItem>
 </file>
